--- a/vue-share.pptx
+++ b/vue-share.pptx
@@ -28,6 +28,7 @@
     <p:sldId id="511" r:id="rId23"/>
     <p:sldId id="589" r:id="rId24"/>
     <p:sldId id="588" r:id="rId25"/>
+    <p:sldId id="591" r:id="rId26"/>
   </p:sldIdLst>
   <p:sldSz cx="9144000" cy="6858000"/>
   <p:notesSz cx="9144000" cy="6858000"/>
@@ -3426,7 +3427,7 @@
                 <a:latin typeface="Arial" panose="020B0604020202020204"/>
                 <a:cs typeface="Arial" panose="020B0604020202020204"/>
               </a:rPr>
-              <a:t>NPM(2</a:t>
+              <a:t>NPM(3</a:t>
             </a:r>
             <a:r>
               <a:rPr lang="zh-CN" altLang="zh-CN" sz="2400" dirty="0">
@@ -4526,17 +4527,7 @@
                 <a:latin typeface="Arial" panose="020B0604020202020204"/>
                 <a:cs typeface="Arial" panose="020B0604020202020204"/>
               </a:rPr>
-              <a:t>h</a:t>
-            </a:r>
-            <a:r>
-              <a:rPr lang="en-US" altLang="zh-CN" sz="2400" dirty="0">
-                <a:solidFill>
-                  <a:srgbClr val="FFFFFF"/>
-                </a:solidFill>
-                <a:latin typeface="Arial" panose="020B0604020202020204"/>
-                <a:cs typeface="Arial" panose="020B0604020202020204"/>
-              </a:rPr>
-              <a:t>tml</a:t>
+              <a:t>html</a:t>
             </a:r>
             <a:endParaRPr lang="zh-CN" altLang="en-US" sz="2400" dirty="0">
               <a:solidFill>
@@ -4595,6 +4586,319 @@
               <a:t>将所有组件的CSS提取到单个文件中，并用cssnano进行压缩。</a:t>
             </a:r>
             <a:endParaRPr lang="zh-CN" altLang="en-US" sz="2400" dirty="0">
+              <a:solidFill>
+                <a:srgbClr val="FFFFFF"/>
+              </a:solidFill>
+              <a:latin typeface="Arial" panose="020B0604020202020204"/>
+              <a:cs typeface="Arial" panose="020B0604020202020204"/>
+            </a:endParaRPr>
+          </a:p>
+        </p:txBody>
+      </p:sp>
+    </p:spTree>
+  </p:cSld>
+  <p:clrMapOvr>
+    <a:masterClrMapping/>
+  </p:clrMapOvr>
+</p:sld>
+</file>
+
+<file path=ppt/slides/slide24.xml><?xml version="1.0" encoding="utf-8"?>
+<p:sld xmlns:a="http://schemas.openxmlformats.org/drawingml/2006/main" xmlns:r="http://schemas.openxmlformats.org/officeDocument/2006/relationships" xmlns:p="http://schemas.openxmlformats.org/presentationml/2006/main">
+  <p:cSld>
+    <p:spTree>
+      <p:nvGrpSpPr>
+        <p:cNvPr id="1" name=""/>
+        <p:cNvGrpSpPr/>
+        <p:nvPr/>
+      </p:nvGrpSpPr>
+      <p:grpSpPr>
+        <a:xfrm>
+          <a:off x="0" y="0"/>
+          <a:ext cx="0" cy="0"/>
+          <a:chOff x="0" y="0"/>
+          <a:chExt cx="0" cy="0"/>
+        </a:xfrm>
+      </p:grpSpPr>
+      <p:sp>
+        <p:nvSpPr>
+          <p:cNvPr id="2" name="object 2"/>
+          <p:cNvSpPr txBox="1"/>
+          <p:nvPr/>
+        </p:nvSpPr>
+        <p:spPr>
+          <a:xfrm>
+            <a:off x="1389380" y="506095"/>
+            <a:ext cx="6365240" cy="811530"/>
+          </a:xfrm>
+          <a:prstGeom prst="rect">
+            <a:avLst/>
+          </a:prstGeom>
+        </p:spPr>
+        <p:txBody>
+          <a:bodyPr vert="horz" wrap="square" lIns="0" tIns="12700" rIns="0" bIns="0" rtlCol="0">
+            <a:spAutoFit/>
+          </a:bodyPr>
+          <a:lstStyle/>
+          <a:p>
+            <a:pPr marL="1905" algn="ctr">
+              <a:lnSpc>
+                <a:spcPts val="6230"/>
+              </a:lnSpc>
+              <a:spcBef>
+                <a:spcPts val="100"/>
+              </a:spcBef>
+            </a:pPr>
+            <a:r>
+              <a:rPr lang="zh-CN" altLang="zh-CN" sz="5200" spc="-5" dirty="0">
+                <a:solidFill>
+                  <a:srgbClr val="FFFFFF"/>
+                </a:solidFill>
+                <a:latin typeface="宋体" panose="02010600030101010101" pitchFamily="2" charset="-122"/>
+                <a:cs typeface="宋体" panose="02010600030101010101" pitchFamily="2" charset="-122"/>
+              </a:rPr>
+              <a:t>最后</a:t>
+            </a:r>
+            <a:endParaRPr sz="5200" spc="-10" dirty="0">
+              <a:solidFill>
+                <a:srgbClr val="FFFFFF"/>
+              </a:solidFill>
+              <a:latin typeface="Arial" panose="020B0604020202020204"/>
+              <a:cs typeface="Arial" panose="020B0604020202020204"/>
+            </a:endParaRPr>
+          </a:p>
+        </p:txBody>
+      </p:sp>
+      <p:sp>
+        <p:nvSpPr>
+          <p:cNvPr id="3" name="object 3"/>
+          <p:cNvSpPr txBox="1"/>
+          <p:nvPr/>
+        </p:nvSpPr>
+        <p:spPr>
+          <a:xfrm>
+            <a:off x="367030" y="1470660"/>
+            <a:ext cx="8409305" cy="568325"/>
+          </a:xfrm>
+          <a:prstGeom prst="rect">
+            <a:avLst/>
+          </a:prstGeom>
+        </p:spPr>
+        <p:txBody>
+          <a:bodyPr vert="horz" wrap="square" lIns="0" tIns="199390" rIns="0" bIns="0" rtlCol="0">
+            <a:spAutoFit/>
+          </a:bodyPr>
+          <a:p>
+            <a:pPr marL="424815" indent="-412115">
+              <a:lnSpc>
+                <a:spcPct val="100000"/>
+              </a:lnSpc>
+              <a:spcBef>
+                <a:spcPts val="1570"/>
+              </a:spcBef>
+              <a:buClr>
+                <a:srgbClr val="FFFFFF"/>
+              </a:buClr>
+              <a:buChar char="●"/>
+              <a:tabLst>
+                <a:tab pos="424815" algn="l"/>
+                <a:tab pos="425450" algn="l"/>
+              </a:tabLst>
+            </a:pPr>
+            <a:r>
+              <a:rPr lang="zh-CN" sz="2400" dirty="0">
+                <a:solidFill>
+                  <a:srgbClr val="FFFFFF"/>
+                </a:solidFill>
+                <a:latin typeface="Arial" panose="020B0604020202020204"/>
+                <a:cs typeface="Arial" panose="020B0604020202020204"/>
+                <a:hlinkClick r:id="rId1" action="ppaction://hlinkfile"/>
+              </a:rPr>
+              <a:t>Vue 脱坑记</a:t>
+            </a:r>
+            <a:endParaRPr lang="zh-CN" sz="2400" dirty="0">
+              <a:solidFill>
+                <a:srgbClr val="FFFFFF"/>
+              </a:solidFill>
+              <a:latin typeface="Arial" panose="020B0604020202020204"/>
+              <a:cs typeface="Arial" panose="020B0604020202020204"/>
+            </a:endParaRPr>
+          </a:p>
+        </p:txBody>
+      </p:sp>
+      <p:sp>
+        <p:nvSpPr>
+          <p:cNvPr id="4" name="object 3"/>
+          <p:cNvSpPr txBox="1"/>
+          <p:nvPr/>
+        </p:nvSpPr>
+        <p:spPr>
+          <a:xfrm>
+            <a:off x="367665" y="2385060"/>
+            <a:ext cx="8409305" cy="568325"/>
+          </a:xfrm>
+          <a:prstGeom prst="rect">
+            <a:avLst/>
+          </a:prstGeom>
+        </p:spPr>
+        <p:txBody>
+          <a:bodyPr vert="horz" wrap="square" lIns="0" tIns="199390" rIns="0" bIns="0" rtlCol="0">
+            <a:spAutoFit/>
+          </a:bodyPr>
+          <a:p>
+            <a:pPr marL="424815" indent="-412115">
+              <a:lnSpc>
+                <a:spcPct val="100000"/>
+              </a:lnSpc>
+              <a:spcBef>
+                <a:spcPts val="1570"/>
+              </a:spcBef>
+              <a:buClr>
+                <a:srgbClr val="FFFFFF"/>
+              </a:buClr>
+              <a:buChar char="●"/>
+              <a:tabLst>
+                <a:tab pos="424815" algn="l"/>
+                <a:tab pos="425450" algn="l"/>
+              </a:tabLst>
+            </a:pPr>
+            <a:r>
+              <a:rPr lang="en-US" altLang="zh-CN" sz="2400" dirty="0">
+                <a:solidFill>
+                  <a:srgbClr val="FFFFFF"/>
+                </a:solidFill>
+                <a:latin typeface="Arial" panose="020B0604020202020204"/>
+                <a:cs typeface="Arial" panose="020B0604020202020204"/>
+                <a:hlinkClick r:id="rId2" action="ppaction://hlinkfile"/>
+              </a:rPr>
+              <a:t>Vue</a:t>
+            </a:r>
+            <a:r>
+              <a:rPr lang="zh-CN" sz="2400" dirty="0">
+                <a:solidFill>
+                  <a:srgbClr val="FFFFFF"/>
+                </a:solidFill>
+                <a:latin typeface="Arial" panose="020B0604020202020204"/>
+                <a:cs typeface="Arial" panose="020B0604020202020204"/>
+                <a:hlinkClick r:id="rId2" action="ppaction://hlinkfile"/>
+              </a:rPr>
+              <a:t>官方风格指南</a:t>
+            </a:r>
+            <a:endParaRPr lang="zh-CN" sz="2400" dirty="0">
+              <a:solidFill>
+                <a:srgbClr val="FFFFFF"/>
+              </a:solidFill>
+              <a:latin typeface="Arial" panose="020B0604020202020204"/>
+              <a:cs typeface="Arial" panose="020B0604020202020204"/>
+            </a:endParaRPr>
+          </a:p>
+        </p:txBody>
+      </p:sp>
+      <p:sp>
+        <p:nvSpPr>
+          <p:cNvPr id="5" name="object 3"/>
+          <p:cNvSpPr txBox="1"/>
+          <p:nvPr/>
+        </p:nvSpPr>
+        <p:spPr>
+          <a:xfrm>
+            <a:off x="367030" y="3235325"/>
+            <a:ext cx="8409305" cy="568325"/>
+          </a:xfrm>
+          <a:prstGeom prst="rect">
+            <a:avLst/>
+          </a:prstGeom>
+        </p:spPr>
+        <p:txBody>
+          <a:bodyPr vert="horz" wrap="square" lIns="0" tIns="199390" rIns="0" bIns="0" rtlCol="0">
+            <a:spAutoFit/>
+          </a:bodyPr>
+          <a:p>
+            <a:pPr marL="424815" indent="-412115">
+              <a:lnSpc>
+                <a:spcPct val="100000"/>
+              </a:lnSpc>
+              <a:spcBef>
+                <a:spcPts val="1570"/>
+              </a:spcBef>
+              <a:buClr>
+                <a:srgbClr val="FFFFFF"/>
+              </a:buClr>
+              <a:buChar char="●"/>
+              <a:tabLst>
+                <a:tab pos="424815" algn="l"/>
+                <a:tab pos="425450" algn="l"/>
+              </a:tabLst>
+            </a:pPr>
+            <a:r>
+              <a:rPr sz="2400" dirty="0">
+                <a:solidFill>
+                  <a:srgbClr val="FFFFFF"/>
+                </a:solidFill>
+                <a:latin typeface="Arial" panose="020B0604020202020204"/>
+                <a:cs typeface="Arial" panose="020B0604020202020204"/>
+                <a:hlinkClick r:id="rId3" action="ppaction://hlinkfile"/>
+              </a:rPr>
+              <a:t>awesome-vue</a:t>
+            </a:r>
+            <a:endParaRPr sz="2400" dirty="0">
+              <a:solidFill>
+                <a:srgbClr val="FFFFFF"/>
+              </a:solidFill>
+              <a:latin typeface="Arial" panose="020B0604020202020204"/>
+              <a:cs typeface="Arial" panose="020B0604020202020204"/>
+            </a:endParaRPr>
+          </a:p>
+        </p:txBody>
+      </p:sp>
+      <p:sp>
+        <p:nvSpPr>
+          <p:cNvPr id="6" name="object 3"/>
+          <p:cNvSpPr txBox="1"/>
+          <p:nvPr/>
+        </p:nvSpPr>
+        <p:spPr>
+          <a:xfrm>
+            <a:off x="367665" y="4072255"/>
+            <a:ext cx="8409305" cy="568325"/>
+          </a:xfrm>
+          <a:prstGeom prst="rect">
+            <a:avLst/>
+          </a:prstGeom>
+        </p:spPr>
+        <p:txBody>
+          <a:bodyPr vert="horz" wrap="square" lIns="0" tIns="199390" rIns="0" bIns="0" rtlCol="0">
+            <a:spAutoFit/>
+          </a:bodyPr>
+          <a:p>
+            <a:pPr marL="424815" indent="-412115">
+              <a:lnSpc>
+                <a:spcPct val="100000"/>
+              </a:lnSpc>
+              <a:spcBef>
+                <a:spcPts val="1570"/>
+              </a:spcBef>
+              <a:buClr>
+                <a:srgbClr val="FFFFFF"/>
+              </a:buClr>
+              <a:buChar char="●"/>
+              <a:tabLst>
+                <a:tab pos="424815" algn="l"/>
+                <a:tab pos="425450" algn="l"/>
+              </a:tabLst>
+            </a:pPr>
+            <a:r>
+              <a:rPr sz="2400" dirty="0">
+                <a:solidFill>
+                  <a:srgbClr val="FFFFFF"/>
+                </a:solidFill>
+                <a:latin typeface="Arial" panose="020B0604020202020204"/>
+                <a:cs typeface="Arial" panose="020B0604020202020204"/>
+                <a:hlinkClick r:id="rId4" tooltip="" action="ppaction://hlinkfile"/>
+              </a:rPr>
+              <a:t>Vue 2.0 的建议学习顺序</a:t>
+            </a:r>
+            <a:endParaRPr sz="2400" dirty="0">
               <a:solidFill>
                 <a:srgbClr val="FFFFFF"/>
               </a:solidFill>
